--- a/writeup/poster/poster-v2.pptx
+++ b/writeup/poster/poster-v2.pptx
@@ -197,7 +197,7 @@
           <a:p>
             <a:fld id="{3967F6E9-70C4-3247-A775-92D087259265}" type="datetimeFigureOut">
               <a:rPr lang="en-US" smtClean="0"/>
-              <a:t>12/5/18</a:t>
+              <a:t>12/9/18</a:t>
             </a:fld>
             <a:endParaRPr lang="en-US"/>
           </a:p>
@@ -679,7 +679,7 @@
           <a:p>
             <a:fld id="{0788B062-4AF0-644C-90A4-6200EE931D40}" type="datetimeFigureOut">
               <a:rPr lang="en-US" smtClean="0"/>
-              <a:t>12/5/18</a:t>
+              <a:t>12/9/18</a:t>
             </a:fld>
             <a:endParaRPr lang="en-US"/>
           </a:p>
@@ -849,7 +849,7 @@
           <a:p>
             <a:fld id="{0788B062-4AF0-644C-90A4-6200EE931D40}" type="datetimeFigureOut">
               <a:rPr lang="en-US" smtClean="0"/>
-              <a:t>12/5/18</a:t>
+              <a:t>12/9/18</a:t>
             </a:fld>
             <a:endParaRPr lang="en-US"/>
           </a:p>
@@ -1029,7 +1029,7 @@
           <a:p>
             <a:fld id="{0788B062-4AF0-644C-90A4-6200EE931D40}" type="datetimeFigureOut">
               <a:rPr lang="en-US" smtClean="0"/>
-              <a:t>12/5/18</a:t>
+              <a:t>12/9/18</a:t>
             </a:fld>
             <a:endParaRPr lang="en-US"/>
           </a:p>
@@ -1199,7 +1199,7 @@
           <a:p>
             <a:fld id="{0788B062-4AF0-644C-90A4-6200EE931D40}" type="datetimeFigureOut">
               <a:rPr lang="en-US" smtClean="0"/>
-              <a:t>12/5/18</a:t>
+              <a:t>12/9/18</a:t>
             </a:fld>
             <a:endParaRPr lang="en-US"/>
           </a:p>
@@ -1443,7 +1443,7 @@
           <a:p>
             <a:fld id="{0788B062-4AF0-644C-90A4-6200EE931D40}" type="datetimeFigureOut">
               <a:rPr lang="en-US" smtClean="0"/>
-              <a:t>12/5/18</a:t>
+              <a:t>12/9/18</a:t>
             </a:fld>
             <a:endParaRPr lang="en-US"/>
           </a:p>
@@ -1675,7 +1675,7 @@
           <a:p>
             <a:fld id="{0788B062-4AF0-644C-90A4-6200EE931D40}" type="datetimeFigureOut">
               <a:rPr lang="en-US" smtClean="0"/>
-              <a:t>12/5/18</a:t>
+              <a:t>12/9/18</a:t>
             </a:fld>
             <a:endParaRPr lang="en-US"/>
           </a:p>
@@ -2042,7 +2042,7 @@
           <a:p>
             <a:fld id="{0788B062-4AF0-644C-90A4-6200EE931D40}" type="datetimeFigureOut">
               <a:rPr lang="en-US" smtClean="0"/>
-              <a:t>12/5/18</a:t>
+              <a:t>12/9/18</a:t>
             </a:fld>
             <a:endParaRPr lang="en-US"/>
           </a:p>
@@ -2160,7 +2160,7 @@
           <a:p>
             <a:fld id="{0788B062-4AF0-644C-90A4-6200EE931D40}" type="datetimeFigureOut">
               <a:rPr lang="en-US" smtClean="0"/>
-              <a:t>12/5/18</a:t>
+              <a:t>12/9/18</a:t>
             </a:fld>
             <a:endParaRPr lang="en-US"/>
           </a:p>
@@ -2255,7 +2255,7 @@
           <a:p>
             <a:fld id="{0788B062-4AF0-644C-90A4-6200EE931D40}" type="datetimeFigureOut">
               <a:rPr lang="en-US" smtClean="0"/>
-              <a:t>12/5/18</a:t>
+              <a:t>12/9/18</a:t>
             </a:fld>
             <a:endParaRPr lang="en-US"/>
           </a:p>
@@ -2532,7 +2532,7 @@
           <a:p>
             <a:fld id="{0788B062-4AF0-644C-90A4-6200EE931D40}" type="datetimeFigureOut">
               <a:rPr lang="en-US" smtClean="0"/>
-              <a:t>12/5/18</a:t>
+              <a:t>12/9/18</a:t>
             </a:fld>
             <a:endParaRPr lang="en-US"/>
           </a:p>
@@ -2789,7 +2789,7 @@
           <a:p>
             <a:fld id="{0788B062-4AF0-644C-90A4-6200EE931D40}" type="datetimeFigureOut">
               <a:rPr lang="en-US" smtClean="0"/>
-              <a:t>12/5/18</a:t>
+              <a:t>12/9/18</a:t>
             </a:fld>
             <a:endParaRPr lang="en-US"/>
           </a:p>
@@ -3002,7 +3002,7 @@
           <a:p>
             <a:fld id="{0788B062-4AF0-644C-90A4-6200EE931D40}" type="datetimeFigureOut">
               <a:rPr lang="en-US" smtClean="0"/>
-              <a:t>12/5/18</a:t>
+              <a:t>12/9/18</a:t>
             </a:fld>
             <a:endParaRPr lang="en-US"/>
           </a:p>
@@ -3830,7 +3830,7 @@
           <p:cNvPr id="44" name="Group 43">
             <a:extLst>
               <a:ext uri="{FF2B5EF4-FFF2-40B4-BE49-F238E27FC236}">
-                <a16:creationId xmlns:a16="http://schemas.microsoft.com/office/drawing/2014/main" id="{95AFCDB6-2791-D54F-8A7B-9AFEF98D1CCD}"/>
+                <a16:creationId xmlns:a16="http://schemas.microsoft.com/office/drawing/2014/main" xmlns="" id="{95AFCDB6-2791-D54F-8A7B-9AFEF98D1CCD}"/>
               </a:ext>
             </a:extLst>
           </p:cNvPr>
@@ -3850,7 +3850,7 @@
             <p:cNvPr id="45" name="Group 44">
               <a:extLst>
                 <a:ext uri="{FF2B5EF4-FFF2-40B4-BE49-F238E27FC236}">
-                  <a16:creationId xmlns:a16="http://schemas.microsoft.com/office/drawing/2014/main" id="{5952EC3B-E914-814A-A2E6-60A0581C92E0}"/>
+                  <a16:creationId xmlns:a16="http://schemas.microsoft.com/office/drawing/2014/main" xmlns="" id="{5952EC3B-E914-814A-A2E6-60A0581C92E0}"/>
                 </a:ext>
               </a:extLst>
             </p:cNvPr>
@@ -3870,7 +3870,7 @@
               <p:cNvPr id="47" name="Round Diagonal Corner Rectangle 46">
                 <a:extLst>
                   <a:ext uri="{FF2B5EF4-FFF2-40B4-BE49-F238E27FC236}">
-                    <a16:creationId xmlns:a16="http://schemas.microsoft.com/office/drawing/2014/main" id="{47D25CBE-7FB1-6641-B526-2A1666E7FFA2}"/>
+                    <a16:creationId xmlns:a16="http://schemas.microsoft.com/office/drawing/2014/main" xmlns="" id="{47D25CBE-7FB1-6641-B526-2A1666E7FFA2}"/>
                   </a:ext>
                 </a:extLst>
               </p:cNvPr>
@@ -3930,7 +3930,7 @@
               <p:cNvPr id="48" name="Round Diagonal Corner Rectangle 47">
                 <a:extLst>
                   <a:ext uri="{FF2B5EF4-FFF2-40B4-BE49-F238E27FC236}">
-                    <a16:creationId xmlns:a16="http://schemas.microsoft.com/office/drawing/2014/main" id="{FA798C85-BB8C-4D4F-9855-FACD7D7D0538}"/>
+                    <a16:creationId xmlns:a16="http://schemas.microsoft.com/office/drawing/2014/main" xmlns="" id="{FA798C85-BB8C-4D4F-9855-FACD7D7D0538}"/>
                   </a:ext>
                 </a:extLst>
               </p:cNvPr>
@@ -3987,7 +3987,7 @@
               <p:cNvPr id="49" name="Round Diagonal Corner Rectangle 48">
                 <a:extLst>
                   <a:ext uri="{FF2B5EF4-FFF2-40B4-BE49-F238E27FC236}">
-                    <a16:creationId xmlns:a16="http://schemas.microsoft.com/office/drawing/2014/main" id="{D9D6CA97-BD80-9041-98D4-B859912FC6BD}"/>
+                    <a16:creationId xmlns:a16="http://schemas.microsoft.com/office/drawing/2014/main" xmlns="" id="{D9D6CA97-BD80-9041-98D4-B859912FC6BD}"/>
                   </a:ext>
                 </a:extLst>
               </p:cNvPr>
@@ -4049,7 +4049,7 @@
             <p:cNvPr id="46" name="Rectangle 45">
               <a:extLst>
                 <a:ext uri="{FF2B5EF4-FFF2-40B4-BE49-F238E27FC236}">
-                  <a16:creationId xmlns:a16="http://schemas.microsoft.com/office/drawing/2014/main" id="{D950E018-49FC-B344-B436-3F7E33C81D85}"/>
+                  <a16:creationId xmlns:a16="http://schemas.microsoft.com/office/drawing/2014/main" xmlns="" id="{D950E018-49FC-B344-B436-3F7E33C81D85}"/>
                 </a:ext>
               </a:extLst>
             </p:cNvPr>
@@ -4265,7 +4265,7 @@
           <p:cNvPr id="50" name="Group 49">
             <a:extLst>
               <a:ext uri="{FF2B5EF4-FFF2-40B4-BE49-F238E27FC236}">
-                <a16:creationId xmlns:a16="http://schemas.microsoft.com/office/drawing/2014/main" id="{96E6EB08-77B6-0043-A30A-566E26DEDAB0}"/>
+                <a16:creationId xmlns:a16="http://schemas.microsoft.com/office/drawing/2014/main" xmlns="" id="{96E6EB08-77B6-0043-A30A-566E26DEDAB0}"/>
               </a:ext>
             </a:extLst>
           </p:cNvPr>
@@ -4285,7 +4285,7 @@
             <p:cNvPr id="51" name="Group 50">
               <a:extLst>
                 <a:ext uri="{FF2B5EF4-FFF2-40B4-BE49-F238E27FC236}">
-                  <a16:creationId xmlns:a16="http://schemas.microsoft.com/office/drawing/2014/main" id="{B9796315-7874-0F47-B5C4-FA09FEC3597B}"/>
+                  <a16:creationId xmlns:a16="http://schemas.microsoft.com/office/drawing/2014/main" xmlns="" id="{B9796315-7874-0F47-B5C4-FA09FEC3597B}"/>
                 </a:ext>
               </a:extLst>
             </p:cNvPr>
@@ -4305,7 +4305,7 @@
               <p:cNvPr id="53" name="Round Diagonal Corner Rectangle 52">
                 <a:extLst>
                   <a:ext uri="{FF2B5EF4-FFF2-40B4-BE49-F238E27FC236}">
-                    <a16:creationId xmlns:a16="http://schemas.microsoft.com/office/drawing/2014/main" id="{646ECDB9-E219-1743-B049-00E598A35743}"/>
+                    <a16:creationId xmlns:a16="http://schemas.microsoft.com/office/drawing/2014/main" xmlns="" id="{646ECDB9-E219-1743-B049-00E598A35743}"/>
                   </a:ext>
                 </a:extLst>
               </p:cNvPr>
@@ -4365,7 +4365,7 @@
               <p:cNvPr id="54" name="Round Diagonal Corner Rectangle 53">
                 <a:extLst>
                   <a:ext uri="{FF2B5EF4-FFF2-40B4-BE49-F238E27FC236}">
-                    <a16:creationId xmlns:a16="http://schemas.microsoft.com/office/drawing/2014/main" id="{B3BAF932-EC45-FD4B-AD7F-E2A3CDB9FEF4}"/>
+                    <a16:creationId xmlns:a16="http://schemas.microsoft.com/office/drawing/2014/main" xmlns="" id="{B3BAF932-EC45-FD4B-AD7F-E2A3CDB9FEF4}"/>
                   </a:ext>
                 </a:extLst>
               </p:cNvPr>
@@ -4422,7 +4422,7 @@
               <p:cNvPr id="55" name="Round Diagonal Corner Rectangle 54">
                 <a:extLst>
                   <a:ext uri="{FF2B5EF4-FFF2-40B4-BE49-F238E27FC236}">
-                    <a16:creationId xmlns:a16="http://schemas.microsoft.com/office/drawing/2014/main" id="{68617B2F-414C-584C-B317-5AB7B4247805}"/>
+                    <a16:creationId xmlns:a16="http://schemas.microsoft.com/office/drawing/2014/main" xmlns="" id="{68617B2F-414C-584C-B317-5AB7B4247805}"/>
                   </a:ext>
                 </a:extLst>
               </p:cNvPr>
@@ -4484,7 +4484,7 @@
             <p:cNvPr id="52" name="Rectangle 51">
               <a:extLst>
                 <a:ext uri="{FF2B5EF4-FFF2-40B4-BE49-F238E27FC236}">
-                  <a16:creationId xmlns:a16="http://schemas.microsoft.com/office/drawing/2014/main" id="{7A05E9C1-73F5-FC4B-946C-12CFAC8E44C8}"/>
+                  <a16:creationId xmlns:a16="http://schemas.microsoft.com/office/drawing/2014/main" xmlns="" id="{7A05E9C1-73F5-FC4B-946C-12CFAC8E44C8}"/>
                 </a:ext>
               </a:extLst>
             </p:cNvPr>
@@ -4521,7 +4521,7 @@
           <p:cNvPr id="56" name="Group 55">
             <a:extLst>
               <a:ext uri="{FF2B5EF4-FFF2-40B4-BE49-F238E27FC236}">
-                <a16:creationId xmlns:a16="http://schemas.microsoft.com/office/drawing/2014/main" id="{91FD3E10-E508-5A4B-9B21-6ED3C795F2E3}"/>
+                <a16:creationId xmlns:a16="http://schemas.microsoft.com/office/drawing/2014/main" xmlns="" id="{91FD3E10-E508-5A4B-9B21-6ED3C795F2E3}"/>
               </a:ext>
             </a:extLst>
           </p:cNvPr>
@@ -4541,7 +4541,7 @@
             <p:cNvPr id="57" name="Group 56">
               <a:extLst>
                 <a:ext uri="{FF2B5EF4-FFF2-40B4-BE49-F238E27FC236}">
-                  <a16:creationId xmlns:a16="http://schemas.microsoft.com/office/drawing/2014/main" id="{EC4694D3-BC8B-8342-8AFA-67F52CA52DC5}"/>
+                  <a16:creationId xmlns:a16="http://schemas.microsoft.com/office/drawing/2014/main" xmlns="" id="{EC4694D3-BC8B-8342-8AFA-67F52CA52DC5}"/>
                 </a:ext>
               </a:extLst>
             </p:cNvPr>
@@ -4561,7 +4561,7 @@
               <p:cNvPr id="59" name="Round Diagonal Corner Rectangle 58">
                 <a:extLst>
                   <a:ext uri="{FF2B5EF4-FFF2-40B4-BE49-F238E27FC236}">
-                    <a16:creationId xmlns:a16="http://schemas.microsoft.com/office/drawing/2014/main" id="{7262422F-73E6-B348-A856-D8997AA49686}"/>
+                    <a16:creationId xmlns:a16="http://schemas.microsoft.com/office/drawing/2014/main" xmlns="" id="{7262422F-73E6-B348-A856-D8997AA49686}"/>
                   </a:ext>
                 </a:extLst>
               </p:cNvPr>
@@ -4621,7 +4621,7 @@
               <p:cNvPr id="60" name="Round Diagonal Corner Rectangle 59">
                 <a:extLst>
                   <a:ext uri="{FF2B5EF4-FFF2-40B4-BE49-F238E27FC236}">
-                    <a16:creationId xmlns:a16="http://schemas.microsoft.com/office/drawing/2014/main" id="{90D2AA3F-6DEE-F645-B7A3-E76600850ACD}"/>
+                    <a16:creationId xmlns:a16="http://schemas.microsoft.com/office/drawing/2014/main" xmlns="" id="{90D2AA3F-6DEE-F645-B7A3-E76600850ACD}"/>
                   </a:ext>
                 </a:extLst>
               </p:cNvPr>
@@ -4678,7 +4678,7 @@
               <p:cNvPr id="61" name="Round Diagonal Corner Rectangle 60">
                 <a:extLst>
                   <a:ext uri="{FF2B5EF4-FFF2-40B4-BE49-F238E27FC236}">
-                    <a16:creationId xmlns:a16="http://schemas.microsoft.com/office/drawing/2014/main" id="{6871FB30-6300-4141-AC31-2E81514CF426}"/>
+                    <a16:creationId xmlns:a16="http://schemas.microsoft.com/office/drawing/2014/main" xmlns="" id="{6871FB30-6300-4141-AC31-2E81514CF426}"/>
                   </a:ext>
                 </a:extLst>
               </p:cNvPr>
@@ -4740,7 +4740,7 @@
             <p:cNvPr id="58" name="Rectangle 57">
               <a:extLst>
                 <a:ext uri="{FF2B5EF4-FFF2-40B4-BE49-F238E27FC236}">
-                  <a16:creationId xmlns:a16="http://schemas.microsoft.com/office/drawing/2014/main" id="{0DAED617-9CAA-0B48-B4E0-EE4D1B544949}"/>
+                  <a16:creationId xmlns:a16="http://schemas.microsoft.com/office/drawing/2014/main" xmlns="" id="{0DAED617-9CAA-0B48-B4E0-EE4D1B544949}"/>
                 </a:ext>
               </a:extLst>
             </p:cNvPr>
@@ -4777,7 +4777,7 @@
           <p:cNvPr id="62" name="Group 61">
             <a:extLst>
               <a:ext uri="{FF2B5EF4-FFF2-40B4-BE49-F238E27FC236}">
-                <a16:creationId xmlns:a16="http://schemas.microsoft.com/office/drawing/2014/main" id="{36E38258-8259-E347-B0F1-D1DC64D357CA}"/>
+                <a16:creationId xmlns:a16="http://schemas.microsoft.com/office/drawing/2014/main" xmlns="" id="{36E38258-8259-E347-B0F1-D1DC64D357CA}"/>
               </a:ext>
             </a:extLst>
           </p:cNvPr>
@@ -4797,7 +4797,7 @@
             <p:cNvPr id="63" name="Group 62">
               <a:extLst>
                 <a:ext uri="{FF2B5EF4-FFF2-40B4-BE49-F238E27FC236}">
-                  <a16:creationId xmlns:a16="http://schemas.microsoft.com/office/drawing/2014/main" id="{A8157004-314E-7740-9594-6CDE9FD50617}"/>
+                  <a16:creationId xmlns:a16="http://schemas.microsoft.com/office/drawing/2014/main" xmlns="" id="{A8157004-314E-7740-9594-6CDE9FD50617}"/>
                 </a:ext>
               </a:extLst>
             </p:cNvPr>
@@ -4817,7 +4817,7 @@
               <p:cNvPr id="65" name="Round Diagonal Corner Rectangle 64">
                 <a:extLst>
                   <a:ext uri="{FF2B5EF4-FFF2-40B4-BE49-F238E27FC236}">
-                    <a16:creationId xmlns:a16="http://schemas.microsoft.com/office/drawing/2014/main" id="{F0060D98-826B-8D46-B41A-4B9336CA849B}"/>
+                    <a16:creationId xmlns:a16="http://schemas.microsoft.com/office/drawing/2014/main" xmlns="" id="{F0060D98-826B-8D46-B41A-4B9336CA849B}"/>
                   </a:ext>
                 </a:extLst>
               </p:cNvPr>
@@ -4877,7 +4877,7 @@
               <p:cNvPr id="66" name="Round Diagonal Corner Rectangle 65">
                 <a:extLst>
                   <a:ext uri="{FF2B5EF4-FFF2-40B4-BE49-F238E27FC236}">
-                    <a16:creationId xmlns:a16="http://schemas.microsoft.com/office/drawing/2014/main" id="{CC793475-3E3B-A947-B06B-F01CBE83E61A}"/>
+                    <a16:creationId xmlns:a16="http://schemas.microsoft.com/office/drawing/2014/main" xmlns="" id="{CC793475-3E3B-A947-B06B-F01CBE83E61A}"/>
                   </a:ext>
                 </a:extLst>
               </p:cNvPr>
@@ -4934,7 +4934,7 @@
               <p:cNvPr id="67" name="Round Diagonal Corner Rectangle 66">
                 <a:extLst>
                   <a:ext uri="{FF2B5EF4-FFF2-40B4-BE49-F238E27FC236}">
-                    <a16:creationId xmlns:a16="http://schemas.microsoft.com/office/drawing/2014/main" id="{F0CFCEEF-A1BB-DF4A-87F9-063CB305ADFD}"/>
+                    <a16:creationId xmlns:a16="http://schemas.microsoft.com/office/drawing/2014/main" xmlns="" id="{F0CFCEEF-A1BB-DF4A-87F9-063CB305ADFD}"/>
                   </a:ext>
                 </a:extLst>
               </p:cNvPr>
@@ -4996,7 +4996,7 @@
             <p:cNvPr id="64" name="Rectangle 63">
               <a:extLst>
                 <a:ext uri="{FF2B5EF4-FFF2-40B4-BE49-F238E27FC236}">
-                  <a16:creationId xmlns:a16="http://schemas.microsoft.com/office/drawing/2014/main" id="{3A5ED36E-3F22-7042-B03D-2AA13EFC82F9}"/>
+                  <a16:creationId xmlns:a16="http://schemas.microsoft.com/office/drawing/2014/main" xmlns="" id="{3A5ED36E-3F22-7042-B03D-2AA13EFC82F9}"/>
                 </a:ext>
               </a:extLst>
             </p:cNvPr>
@@ -5033,7 +5033,7 @@
           <p:cNvPr id="68" name="Group 67">
             <a:extLst>
               <a:ext uri="{FF2B5EF4-FFF2-40B4-BE49-F238E27FC236}">
-                <a16:creationId xmlns:a16="http://schemas.microsoft.com/office/drawing/2014/main" id="{95FA7CA9-46A0-0F48-92F3-EBC07CE5A940}"/>
+                <a16:creationId xmlns:a16="http://schemas.microsoft.com/office/drawing/2014/main" xmlns="" id="{95FA7CA9-46A0-0F48-92F3-EBC07CE5A940}"/>
               </a:ext>
             </a:extLst>
           </p:cNvPr>
@@ -5053,7 +5053,7 @@
             <p:cNvPr id="69" name="Group 68">
               <a:extLst>
                 <a:ext uri="{FF2B5EF4-FFF2-40B4-BE49-F238E27FC236}">
-                  <a16:creationId xmlns:a16="http://schemas.microsoft.com/office/drawing/2014/main" id="{BD7205EC-6852-5946-B4C5-DDE4ED3D1C59}"/>
+                  <a16:creationId xmlns:a16="http://schemas.microsoft.com/office/drawing/2014/main" xmlns="" id="{BD7205EC-6852-5946-B4C5-DDE4ED3D1C59}"/>
                 </a:ext>
               </a:extLst>
             </p:cNvPr>
@@ -5073,7 +5073,7 @@
               <p:cNvPr id="71" name="Round Diagonal Corner Rectangle 70">
                 <a:extLst>
                   <a:ext uri="{FF2B5EF4-FFF2-40B4-BE49-F238E27FC236}">
-                    <a16:creationId xmlns:a16="http://schemas.microsoft.com/office/drawing/2014/main" id="{57EC5B5C-DD93-2040-88C2-0A2D0E5C733E}"/>
+                    <a16:creationId xmlns:a16="http://schemas.microsoft.com/office/drawing/2014/main" xmlns="" id="{57EC5B5C-DD93-2040-88C2-0A2D0E5C733E}"/>
                   </a:ext>
                 </a:extLst>
               </p:cNvPr>
@@ -5133,7 +5133,7 @@
               <p:cNvPr id="72" name="Round Diagonal Corner Rectangle 71">
                 <a:extLst>
                   <a:ext uri="{FF2B5EF4-FFF2-40B4-BE49-F238E27FC236}">
-                    <a16:creationId xmlns:a16="http://schemas.microsoft.com/office/drawing/2014/main" id="{1DAD00D4-BA63-394D-BF43-5A08E7F35F2B}"/>
+                    <a16:creationId xmlns:a16="http://schemas.microsoft.com/office/drawing/2014/main" xmlns="" id="{1DAD00D4-BA63-394D-BF43-5A08E7F35F2B}"/>
                   </a:ext>
                 </a:extLst>
               </p:cNvPr>
@@ -5190,7 +5190,7 @@
               <p:cNvPr id="73" name="Round Diagonal Corner Rectangle 72">
                 <a:extLst>
                   <a:ext uri="{FF2B5EF4-FFF2-40B4-BE49-F238E27FC236}">
-                    <a16:creationId xmlns:a16="http://schemas.microsoft.com/office/drawing/2014/main" id="{8C5D3116-AFD2-7543-9278-31F4A97AE1EF}"/>
+                    <a16:creationId xmlns:a16="http://schemas.microsoft.com/office/drawing/2014/main" xmlns="" id="{8C5D3116-AFD2-7543-9278-31F4A97AE1EF}"/>
                   </a:ext>
                 </a:extLst>
               </p:cNvPr>
@@ -5252,7 +5252,7 @@
             <p:cNvPr id="70" name="Rectangle 69">
               <a:extLst>
                 <a:ext uri="{FF2B5EF4-FFF2-40B4-BE49-F238E27FC236}">
-                  <a16:creationId xmlns:a16="http://schemas.microsoft.com/office/drawing/2014/main" id="{D2E8DAD5-5C4C-A74E-9911-0EDB3A0E607D}"/>
+                  <a16:creationId xmlns:a16="http://schemas.microsoft.com/office/drawing/2014/main" xmlns="" id="{D2E8DAD5-5C4C-A74E-9911-0EDB3A0E607D}"/>
                 </a:ext>
               </a:extLst>
             </p:cNvPr>
@@ -5289,7 +5289,7 @@
           <p:cNvPr id="101" name="Group 100">
             <a:extLst>
               <a:ext uri="{FF2B5EF4-FFF2-40B4-BE49-F238E27FC236}">
-                <a16:creationId xmlns:a16="http://schemas.microsoft.com/office/drawing/2014/main" id="{7EB2F1C2-7E58-FC42-972B-29E6709F0BDF}"/>
+                <a16:creationId xmlns:a16="http://schemas.microsoft.com/office/drawing/2014/main" xmlns="" id="{7EB2F1C2-7E58-FC42-972B-29E6709F0BDF}"/>
               </a:ext>
             </a:extLst>
           </p:cNvPr>
@@ -5309,7 +5309,7 @@
             <p:cNvPr id="89" name="Group 88">
               <a:extLst>
                 <a:ext uri="{FF2B5EF4-FFF2-40B4-BE49-F238E27FC236}">
-                  <a16:creationId xmlns:a16="http://schemas.microsoft.com/office/drawing/2014/main" id="{3D8D82BD-9A89-0948-AB21-BA365BF036EB}"/>
+                  <a16:creationId xmlns:a16="http://schemas.microsoft.com/office/drawing/2014/main" xmlns="" id="{3D8D82BD-9A89-0948-AB21-BA365BF036EB}"/>
                 </a:ext>
               </a:extLst>
             </p:cNvPr>
@@ -5329,7 +5329,7 @@
               <p:cNvPr id="86" name="Picture 85">
                 <a:extLst>
                   <a:ext uri="{FF2B5EF4-FFF2-40B4-BE49-F238E27FC236}">
-                    <a16:creationId xmlns:a16="http://schemas.microsoft.com/office/drawing/2014/main" id="{548FF960-1E88-7E44-AD50-804E9FF6A81A}"/>
+                    <a16:creationId xmlns:a16="http://schemas.microsoft.com/office/drawing/2014/main" xmlns="" id="{548FF960-1E88-7E44-AD50-804E9FF6A81A}"/>
                   </a:ext>
                 </a:extLst>
               </p:cNvPr>
@@ -5359,7 +5359,7 @@
               <p:cNvPr id="88" name="Rectangle 87">
                 <a:extLst>
                   <a:ext uri="{FF2B5EF4-FFF2-40B4-BE49-F238E27FC236}">
-                    <a16:creationId xmlns:a16="http://schemas.microsoft.com/office/drawing/2014/main" id="{F90FC0FD-37D2-9A4A-BE30-ED42294AAD0F}"/>
+                    <a16:creationId xmlns:a16="http://schemas.microsoft.com/office/drawing/2014/main" xmlns="" id="{F90FC0FD-37D2-9A4A-BE30-ED42294AAD0F}"/>
                   </a:ext>
                 </a:extLst>
               </p:cNvPr>
@@ -5399,7 +5399,7 @@
             <p:cNvPr id="95" name="Group 94">
               <a:extLst>
                 <a:ext uri="{FF2B5EF4-FFF2-40B4-BE49-F238E27FC236}">
-                  <a16:creationId xmlns:a16="http://schemas.microsoft.com/office/drawing/2014/main" id="{53483686-B51D-7C42-AB04-4821A8E585D7}"/>
+                  <a16:creationId xmlns:a16="http://schemas.microsoft.com/office/drawing/2014/main" xmlns="" id="{53483686-B51D-7C42-AB04-4821A8E585D7}"/>
                 </a:ext>
               </a:extLst>
             </p:cNvPr>
@@ -5419,7 +5419,7 @@
               <p:cNvPr id="90" name="Picture 89">
                 <a:extLst>
                   <a:ext uri="{FF2B5EF4-FFF2-40B4-BE49-F238E27FC236}">
-                    <a16:creationId xmlns:a16="http://schemas.microsoft.com/office/drawing/2014/main" id="{FA0D5F15-7C37-FD48-A0D1-CF9FAFBB6929}"/>
+                    <a16:creationId xmlns:a16="http://schemas.microsoft.com/office/drawing/2014/main" xmlns="" id="{FA0D5F15-7C37-FD48-A0D1-CF9FAFBB6929}"/>
                   </a:ext>
                 </a:extLst>
               </p:cNvPr>
@@ -5449,7 +5449,7 @@
               <p:cNvPr id="98" name="Rectangle 97">
                 <a:extLst>
                   <a:ext uri="{FF2B5EF4-FFF2-40B4-BE49-F238E27FC236}">
-                    <a16:creationId xmlns:a16="http://schemas.microsoft.com/office/drawing/2014/main" id="{93FE9247-7803-AE4B-B6B6-398CE2E1083E}"/>
+                    <a16:creationId xmlns:a16="http://schemas.microsoft.com/office/drawing/2014/main" xmlns="" id="{93FE9247-7803-AE4B-B6B6-398CE2E1083E}"/>
                   </a:ext>
                 </a:extLst>
               </p:cNvPr>
@@ -5490,7 +5490,7 @@
           <p:cNvPr id="1029" name="Group 1028">
             <a:extLst>
               <a:ext uri="{FF2B5EF4-FFF2-40B4-BE49-F238E27FC236}">
-                <a16:creationId xmlns:a16="http://schemas.microsoft.com/office/drawing/2014/main" id="{848C894F-178B-6241-8BCC-F89804CB84F6}"/>
+                <a16:creationId xmlns:a16="http://schemas.microsoft.com/office/drawing/2014/main" xmlns="" id="{848C894F-178B-6241-8BCC-F89804CB84F6}"/>
               </a:ext>
             </a:extLst>
           </p:cNvPr>
@@ -5510,7 +5510,7 @@
             <p:cNvPr id="1024" name="Rectangle 1023">
               <a:extLst>
                 <a:ext uri="{FF2B5EF4-FFF2-40B4-BE49-F238E27FC236}">
-                  <a16:creationId xmlns:a16="http://schemas.microsoft.com/office/drawing/2014/main" id="{7A1AFEE5-7E24-414A-B603-A6A7E0DC8241}"/>
+                  <a16:creationId xmlns:a16="http://schemas.microsoft.com/office/drawing/2014/main" xmlns="" id="{7A1AFEE5-7E24-414A-B603-A6A7E0DC8241}"/>
                 </a:ext>
               </a:extLst>
             </p:cNvPr>
@@ -5564,7 +5564,7 @@
             <p:cNvPr id="1025" name="Group 1024">
               <a:extLst>
                 <a:ext uri="{FF2B5EF4-FFF2-40B4-BE49-F238E27FC236}">
-                  <a16:creationId xmlns:a16="http://schemas.microsoft.com/office/drawing/2014/main" id="{73650791-2F45-444D-9A9D-CCA3B3C4880F}"/>
+                  <a16:creationId xmlns:a16="http://schemas.microsoft.com/office/drawing/2014/main" xmlns="" id="{73650791-2F45-444D-9A9D-CCA3B3C4880F}"/>
                 </a:ext>
               </a:extLst>
             </p:cNvPr>
@@ -5584,7 +5584,7 @@
               <p:cNvPr id="99" name="Rectangle 98">
                 <a:extLst>
                   <a:ext uri="{FF2B5EF4-FFF2-40B4-BE49-F238E27FC236}">
-                    <a16:creationId xmlns:a16="http://schemas.microsoft.com/office/drawing/2014/main" id="{C4282DB1-4F87-8449-AA71-7C6AFC10635E}"/>
+                    <a16:creationId xmlns:a16="http://schemas.microsoft.com/office/drawing/2014/main" xmlns="" id="{C4282DB1-4F87-8449-AA71-7C6AFC10635E}"/>
                   </a:ext>
                 </a:extLst>
               </p:cNvPr>
@@ -5620,7 +5620,7 @@
               <p:cNvPr id="105" name="Picture 104">
                 <a:extLst>
                   <a:ext uri="{FF2B5EF4-FFF2-40B4-BE49-F238E27FC236}">
-                    <a16:creationId xmlns:a16="http://schemas.microsoft.com/office/drawing/2014/main" id="{8FCD5469-F605-1C48-BF86-41EA5ADBAC0D}"/>
+                    <a16:creationId xmlns:a16="http://schemas.microsoft.com/office/drawing/2014/main" xmlns="" id="{8FCD5469-F605-1C48-BF86-41EA5ADBAC0D}"/>
                   </a:ext>
                 </a:extLst>
               </p:cNvPr>
@@ -5650,7 +5650,7 @@
               <p:cNvPr id="107" name="Picture 106">
                 <a:extLst>
                   <a:ext uri="{FF2B5EF4-FFF2-40B4-BE49-F238E27FC236}">
-                    <a16:creationId xmlns:a16="http://schemas.microsoft.com/office/drawing/2014/main" id="{35E18C35-A6C9-6944-AFAF-CB3F0B047AC1}"/>
+                    <a16:creationId xmlns:a16="http://schemas.microsoft.com/office/drawing/2014/main" xmlns="" id="{35E18C35-A6C9-6944-AFAF-CB3F0B047AC1}"/>
                   </a:ext>
                 </a:extLst>
               </p:cNvPr>
@@ -5680,7 +5680,7 @@
               <p:cNvPr id="115" name="Picture 114">
                 <a:extLst>
                   <a:ext uri="{FF2B5EF4-FFF2-40B4-BE49-F238E27FC236}">
-                    <a16:creationId xmlns:a16="http://schemas.microsoft.com/office/drawing/2014/main" id="{C0D0982A-4812-3644-A777-EDDC5418CBD8}"/>
+                    <a16:creationId xmlns:a16="http://schemas.microsoft.com/office/drawing/2014/main" xmlns="" id="{C0D0982A-4812-3644-A777-EDDC5418CBD8}"/>
                   </a:ext>
                 </a:extLst>
               </p:cNvPr>
@@ -5710,7 +5710,7 @@
               <p:cNvPr id="117" name="Picture 116">
                 <a:extLst>
                   <a:ext uri="{FF2B5EF4-FFF2-40B4-BE49-F238E27FC236}">
-                    <a16:creationId xmlns:a16="http://schemas.microsoft.com/office/drawing/2014/main" id="{9106BAD7-652F-6542-8F24-E9F570C04A99}"/>
+                    <a16:creationId xmlns:a16="http://schemas.microsoft.com/office/drawing/2014/main" xmlns="" id="{9106BAD7-652F-6542-8F24-E9F570C04A99}"/>
                   </a:ext>
                 </a:extLst>
               </p:cNvPr>
@@ -5742,7 +5742,7 @@
           <p:cNvPr id="1028" name="Group 1027">
             <a:extLst>
               <a:ext uri="{FF2B5EF4-FFF2-40B4-BE49-F238E27FC236}">
-                <a16:creationId xmlns:a16="http://schemas.microsoft.com/office/drawing/2014/main" id="{CAAF9A2B-87E2-0041-92F4-895B4C112EAC}"/>
+                <a16:creationId xmlns:a16="http://schemas.microsoft.com/office/drawing/2014/main" xmlns="" id="{CAAF9A2B-87E2-0041-92F4-895B4C112EAC}"/>
               </a:ext>
             </a:extLst>
           </p:cNvPr>
@@ -5762,7 +5762,7 @@
             <p:cNvPr id="133" name="Rectangle 132">
               <a:extLst>
                 <a:ext uri="{FF2B5EF4-FFF2-40B4-BE49-F238E27FC236}">
-                  <a16:creationId xmlns:a16="http://schemas.microsoft.com/office/drawing/2014/main" id="{6DF594C4-284B-FC4C-81B9-4DD1433BD633}"/>
+                  <a16:creationId xmlns:a16="http://schemas.microsoft.com/office/drawing/2014/main" xmlns="" id="{6DF594C4-284B-FC4C-81B9-4DD1433BD633}"/>
                 </a:ext>
               </a:extLst>
             </p:cNvPr>
@@ -5816,7 +5816,7 @@
             <p:cNvPr id="1027" name="Group 1026">
               <a:extLst>
                 <a:ext uri="{FF2B5EF4-FFF2-40B4-BE49-F238E27FC236}">
-                  <a16:creationId xmlns:a16="http://schemas.microsoft.com/office/drawing/2014/main" id="{56BBF815-2F9F-5A4B-A3B0-74F0700FF74A}"/>
+                  <a16:creationId xmlns:a16="http://schemas.microsoft.com/office/drawing/2014/main" xmlns="" id="{56BBF815-2F9F-5A4B-A3B0-74F0700FF74A}"/>
                 </a:ext>
               </a:extLst>
             </p:cNvPr>
@@ -5836,7 +5836,7 @@
               <p:cNvPr id="100" name="Rectangle 99">
                 <a:extLst>
                   <a:ext uri="{FF2B5EF4-FFF2-40B4-BE49-F238E27FC236}">
-                    <a16:creationId xmlns:a16="http://schemas.microsoft.com/office/drawing/2014/main" id="{21FA61A5-7015-B443-842F-EDA9CB709331}"/>
+                    <a16:creationId xmlns:a16="http://schemas.microsoft.com/office/drawing/2014/main" xmlns="" id="{21FA61A5-7015-B443-842F-EDA9CB709331}"/>
                   </a:ext>
                 </a:extLst>
               </p:cNvPr>
@@ -5872,7 +5872,7 @@
               <p:cNvPr id="119" name="Picture 118">
                 <a:extLst>
                   <a:ext uri="{FF2B5EF4-FFF2-40B4-BE49-F238E27FC236}">
-                    <a16:creationId xmlns:a16="http://schemas.microsoft.com/office/drawing/2014/main" id="{27CD0644-E875-8746-B0C8-898D0D522687}"/>
+                    <a16:creationId xmlns:a16="http://schemas.microsoft.com/office/drawing/2014/main" xmlns="" id="{27CD0644-E875-8746-B0C8-898D0D522687}"/>
                   </a:ext>
                 </a:extLst>
               </p:cNvPr>
@@ -5902,7 +5902,7 @@
               <p:cNvPr id="121" name="Picture 120">
                 <a:extLst>
                   <a:ext uri="{FF2B5EF4-FFF2-40B4-BE49-F238E27FC236}">
-                    <a16:creationId xmlns:a16="http://schemas.microsoft.com/office/drawing/2014/main" id="{2661B00B-61B8-164A-ABA1-054310A081EA}"/>
+                    <a16:creationId xmlns:a16="http://schemas.microsoft.com/office/drawing/2014/main" xmlns="" id="{2661B00B-61B8-164A-ABA1-054310A081EA}"/>
                   </a:ext>
                 </a:extLst>
               </p:cNvPr>
@@ -5932,7 +5932,7 @@
               <p:cNvPr id="125" name="Picture 124">
                 <a:extLst>
                   <a:ext uri="{FF2B5EF4-FFF2-40B4-BE49-F238E27FC236}">
-                    <a16:creationId xmlns:a16="http://schemas.microsoft.com/office/drawing/2014/main" id="{09260274-3EAE-2C4D-8723-5A2CDD4E41B7}"/>
+                    <a16:creationId xmlns:a16="http://schemas.microsoft.com/office/drawing/2014/main" xmlns="" id="{09260274-3EAE-2C4D-8723-5A2CDD4E41B7}"/>
                   </a:ext>
                 </a:extLst>
               </p:cNvPr>
@@ -5962,7 +5962,7 @@
               <p:cNvPr id="127" name="Picture 126">
                 <a:extLst>
                   <a:ext uri="{FF2B5EF4-FFF2-40B4-BE49-F238E27FC236}">
-                    <a16:creationId xmlns:a16="http://schemas.microsoft.com/office/drawing/2014/main" id="{E0096D35-0900-BA45-B726-BA50DFDAF4C1}"/>
+                    <a16:creationId xmlns:a16="http://schemas.microsoft.com/office/drawing/2014/main" xmlns="" id="{E0096D35-0900-BA45-B726-BA50DFDAF4C1}"/>
                   </a:ext>
                 </a:extLst>
               </p:cNvPr>
@@ -5994,7 +5994,7 @@
           <p:cNvPr id="140" name="Right Arrow 139">
             <a:extLst>
               <a:ext uri="{FF2B5EF4-FFF2-40B4-BE49-F238E27FC236}">
-                <a16:creationId xmlns:a16="http://schemas.microsoft.com/office/drawing/2014/main" id="{19020445-C744-3E46-AC4C-48D09829DD8E}"/>
+                <a16:creationId xmlns:a16="http://schemas.microsoft.com/office/drawing/2014/main" xmlns="" id="{19020445-C744-3E46-AC4C-48D09829DD8E}"/>
               </a:ext>
             </a:extLst>
           </p:cNvPr>
@@ -6046,7 +6046,7 @@
           <p:cNvPr id="141" name="Right Arrow 140">
             <a:extLst>
               <a:ext uri="{FF2B5EF4-FFF2-40B4-BE49-F238E27FC236}">
-                <a16:creationId xmlns:a16="http://schemas.microsoft.com/office/drawing/2014/main" id="{C6DD33E9-A6D6-5E48-836B-E1E8BE2D2B40}"/>
+                <a16:creationId xmlns:a16="http://schemas.microsoft.com/office/drawing/2014/main" xmlns="" id="{C6DD33E9-A6D6-5E48-836B-E1E8BE2D2B40}"/>
               </a:ext>
             </a:extLst>
           </p:cNvPr>
@@ -6098,7 +6098,7 @@
           <p:cNvPr id="1034" name="Group 1033">
             <a:extLst>
               <a:ext uri="{FF2B5EF4-FFF2-40B4-BE49-F238E27FC236}">
-                <a16:creationId xmlns:a16="http://schemas.microsoft.com/office/drawing/2014/main" id="{DE639F3F-1500-DD4E-B199-9226C6B77272}"/>
+                <a16:creationId xmlns:a16="http://schemas.microsoft.com/office/drawing/2014/main" xmlns="" id="{DE639F3F-1500-DD4E-B199-9226C6B77272}"/>
               </a:ext>
             </a:extLst>
           </p:cNvPr>
@@ -6118,7 +6118,7 @@
             <p:cNvPr id="142" name="Right Arrow 141">
               <a:extLst>
                 <a:ext uri="{FF2B5EF4-FFF2-40B4-BE49-F238E27FC236}">
-                  <a16:creationId xmlns:a16="http://schemas.microsoft.com/office/drawing/2014/main" id="{AEDDA143-0627-8749-B607-A748B628CD2C}"/>
+                  <a16:creationId xmlns:a16="http://schemas.microsoft.com/office/drawing/2014/main" xmlns="" id="{AEDDA143-0627-8749-B607-A748B628CD2C}"/>
                 </a:ext>
               </a:extLst>
             </p:cNvPr>
@@ -6170,7 +6170,7 @@
             <p:cNvPr id="1031" name="Rectangle 1030">
               <a:extLst>
                 <a:ext uri="{FF2B5EF4-FFF2-40B4-BE49-F238E27FC236}">
-                  <a16:creationId xmlns:a16="http://schemas.microsoft.com/office/drawing/2014/main" id="{EEA62CEE-A608-3B49-B709-A8243A4AB7D8}"/>
+                  <a16:creationId xmlns:a16="http://schemas.microsoft.com/office/drawing/2014/main" xmlns="" id="{EEA62CEE-A608-3B49-B709-A8243A4AB7D8}"/>
                 </a:ext>
               </a:extLst>
             </p:cNvPr>
@@ -6210,7 +6210,7 @@
           <p:cNvPr id="1033" name="Group 1032">
             <a:extLst>
               <a:ext uri="{FF2B5EF4-FFF2-40B4-BE49-F238E27FC236}">
-                <a16:creationId xmlns:a16="http://schemas.microsoft.com/office/drawing/2014/main" id="{915B6ABC-9284-F54D-8A6B-CC6510825CD7}"/>
+                <a16:creationId xmlns:a16="http://schemas.microsoft.com/office/drawing/2014/main" xmlns="" id="{915B6ABC-9284-F54D-8A6B-CC6510825CD7}"/>
               </a:ext>
             </a:extLst>
           </p:cNvPr>
@@ -6230,7 +6230,7 @@
             <p:cNvPr id="138" name="Right Arrow 137">
               <a:extLst>
                 <a:ext uri="{FF2B5EF4-FFF2-40B4-BE49-F238E27FC236}">
-                  <a16:creationId xmlns:a16="http://schemas.microsoft.com/office/drawing/2014/main" id="{E4D18CE1-B6B5-4D4C-A072-7FFF2C98E93B}"/>
+                  <a16:creationId xmlns:a16="http://schemas.microsoft.com/office/drawing/2014/main" xmlns="" id="{E4D18CE1-B6B5-4D4C-A072-7FFF2C98E93B}"/>
                 </a:ext>
               </a:extLst>
             </p:cNvPr>
@@ -6282,7 +6282,7 @@
             <p:cNvPr id="1032" name="Rectangle 1031">
               <a:extLst>
                 <a:ext uri="{FF2B5EF4-FFF2-40B4-BE49-F238E27FC236}">
-                  <a16:creationId xmlns:a16="http://schemas.microsoft.com/office/drawing/2014/main" id="{648B4227-9FD6-E444-8EAC-384DD0930511}"/>
+                  <a16:creationId xmlns:a16="http://schemas.microsoft.com/office/drawing/2014/main" xmlns="" id="{648B4227-9FD6-E444-8EAC-384DD0930511}"/>
                 </a:ext>
               </a:extLst>
             </p:cNvPr>
@@ -6321,7 +6321,7 @@
             <p:cNvPr id="146" name="Rectangle 145">
               <a:extLst>
                 <a:ext uri="{FF2B5EF4-FFF2-40B4-BE49-F238E27FC236}">
-                  <a16:creationId xmlns:a16="http://schemas.microsoft.com/office/drawing/2014/main" id="{515CA140-5E5D-4740-8BCB-E344223F6FD3}"/>
+                  <a16:creationId xmlns:a16="http://schemas.microsoft.com/office/drawing/2014/main" xmlns="" id="{515CA140-5E5D-4740-8BCB-E344223F6FD3}"/>
                 </a:ext>
               </a:extLst>
             </p:cNvPr>
@@ -6361,7 +6361,7 @@
           <p:cNvPr id="149" name="Group 148">
             <a:extLst>
               <a:ext uri="{FF2B5EF4-FFF2-40B4-BE49-F238E27FC236}">
-                <a16:creationId xmlns:a16="http://schemas.microsoft.com/office/drawing/2014/main" id="{ABE86DDE-78B2-694E-9501-C0EC815685D8}"/>
+                <a16:creationId xmlns:a16="http://schemas.microsoft.com/office/drawing/2014/main" xmlns="" id="{ABE86DDE-78B2-694E-9501-C0EC815685D8}"/>
               </a:ext>
             </a:extLst>
           </p:cNvPr>
@@ -6381,7 +6381,7 @@
             <p:cNvPr id="150" name="Group 149">
               <a:extLst>
                 <a:ext uri="{FF2B5EF4-FFF2-40B4-BE49-F238E27FC236}">
-                  <a16:creationId xmlns:a16="http://schemas.microsoft.com/office/drawing/2014/main" id="{A0CC509D-39EE-924E-9AEE-79D17A7CADC6}"/>
+                  <a16:creationId xmlns:a16="http://schemas.microsoft.com/office/drawing/2014/main" xmlns="" id="{A0CC509D-39EE-924E-9AEE-79D17A7CADC6}"/>
                 </a:ext>
               </a:extLst>
             </p:cNvPr>
@@ -6401,7 +6401,7 @@
               <p:cNvPr id="152" name="Round Diagonal Corner Rectangle 151">
                 <a:extLst>
                   <a:ext uri="{FF2B5EF4-FFF2-40B4-BE49-F238E27FC236}">
-                    <a16:creationId xmlns:a16="http://schemas.microsoft.com/office/drawing/2014/main" id="{6B6787DC-DAB9-024D-A234-FBE8EC4E2C5D}"/>
+                    <a16:creationId xmlns:a16="http://schemas.microsoft.com/office/drawing/2014/main" xmlns="" id="{6B6787DC-DAB9-024D-A234-FBE8EC4E2C5D}"/>
                   </a:ext>
                 </a:extLst>
               </p:cNvPr>
@@ -6461,7 +6461,7 @@
               <p:cNvPr id="153" name="Round Diagonal Corner Rectangle 152">
                 <a:extLst>
                   <a:ext uri="{FF2B5EF4-FFF2-40B4-BE49-F238E27FC236}">
-                    <a16:creationId xmlns:a16="http://schemas.microsoft.com/office/drawing/2014/main" id="{239C163E-435B-7043-86B3-19CB918DA408}"/>
+                    <a16:creationId xmlns:a16="http://schemas.microsoft.com/office/drawing/2014/main" xmlns="" id="{239C163E-435B-7043-86B3-19CB918DA408}"/>
                   </a:ext>
                 </a:extLst>
               </p:cNvPr>
@@ -6518,7 +6518,7 @@
               <p:cNvPr id="154" name="Round Diagonal Corner Rectangle 153">
                 <a:extLst>
                   <a:ext uri="{FF2B5EF4-FFF2-40B4-BE49-F238E27FC236}">
-                    <a16:creationId xmlns:a16="http://schemas.microsoft.com/office/drawing/2014/main" id="{75409FCF-B2F6-454A-AA4E-7DAC8FD4B2C7}"/>
+                    <a16:creationId xmlns:a16="http://schemas.microsoft.com/office/drawing/2014/main" xmlns="" id="{75409FCF-B2F6-454A-AA4E-7DAC8FD4B2C7}"/>
                   </a:ext>
                 </a:extLst>
               </p:cNvPr>
@@ -6580,7 +6580,7 @@
             <p:cNvPr id="151" name="Rectangle 150">
               <a:extLst>
                 <a:ext uri="{FF2B5EF4-FFF2-40B4-BE49-F238E27FC236}">
-                  <a16:creationId xmlns:a16="http://schemas.microsoft.com/office/drawing/2014/main" id="{6A698C09-FA46-9A45-9CF9-88D06AA92C03}"/>
+                  <a16:creationId xmlns:a16="http://schemas.microsoft.com/office/drawing/2014/main" xmlns="" id="{6A698C09-FA46-9A45-9CF9-88D06AA92C03}"/>
                 </a:ext>
               </a:extLst>
             </p:cNvPr>
@@ -6612,6 +6612,46 @@
           </p:txBody>
         </p:sp>
       </p:grpSp>
+      <p:sp>
+        <p:nvSpPr>
+          <p:cNvPr id="3" name="Rectangle 2"/>
+          <p:cNvSpPr/>
+          <p:nvPr/>
+        </p:nvSpPr>
+        <p:spPr>
+          <a:xfrm>
+            <a:off x="840111" y="25143490"/>
+            <a:ext cx="5675589" cy="6926490"/>
+          </a:xfrm>
+          <a:prstGeom prst="rect">
+            <a:avLst/>
+          </a:prstGeom>
+        </p:spPr>
+        <p:style>
+          <a:lnRef idx="2">
+            <a:schemeClr val="accent1">
+              <a:shade val="50000"/>
+            </a:schemeClr>
+          </a:lnRef>
+          <a:fillRef idx="1">
+            <a:schemeClr val="accent1"/>
+          </a:fillRef>
+          <a:effectRef idx="0">
+            <a:schemeClr val="accent1"/>
+          </a:effectRef>
+          <a:fontRef idx="minor">
+            <a:schemeClr val="lt1"/>
+          </a:fontRef>
+        </p:style>
+        <p:txBody>
+          <a:bodyPr rtlCol="0" anchor="ctr"/>
+          <a:lstStyle/>
+          <a:p>
+            <a:pPr algn="ctr"/>
+            <a:endParaRPr lang="en-US"/>
+          </a:p>
+        </p:txBody>
+      </p:sp>
     </p:spTree>
     <p:extLst>
       <p:ext uri="{BB962C8B-B14F-4D97-AF65-F5344CB8AC3E}">
